--- a/assets/courses/compsci1/Cosma/Ch03 Visual Aids.pptx
+++ b/assets/courses/compsci1/Cosma/Ch03 Visual Aids.pptx
@@ -319,7 +319,7 @@
             <a:fld id="{BFD0C68B-401B-4B86-B0CD-059E506CF7DD}" type="datetime8">
               <a:rPr lang="en-US"/>
               <a:pPr/>
-              <a:t>9/24/13 07:52</a:t>
+              <a:t>5/12/15 10:22</a:t>
             </a:fld>
             <a:endParaRPr lang="en-US"/>
           </a:p>
@@ -637,7 +637,7 @@
             <a:fld id="{F9C5CDC0-46D8-46DD-AEBB-B651F12A82D3}" type="datetime8">
               <a:rPr lang="en-US"/>
               <a:pPr/>
-              <a:t>9/24/13 07:52</a:t>
+              <a:t>5/12/15 10:21</a:t>
             </a:fld>
             <a:endParaRPr lang="en-US"/>
           </a:p>
@@ -1095,7 +1095,7 @@
             <a:fld id="{2EF64AC7-FC86-4118-AFC7-C820FAE8F4E8}" type="datetime8">
               <a:rPr lang="en-US"/>
               <a:pPr/>
-              <a:t>9/24/13 07:52</a:t>
+              <a:t>5/12/15 10:21</a:t>
             </a:fld>
             <a:endParaRPr lang="en-US"/>
           </a:p>
@@ -1287,7 +1287,7 @@
             <a:fld id="{C8EA3D4E-63B5-4D0B-849D-C6E0E2A2080A}" type="datetime8">
               <a:rPr lang="en-US"/>
               <a:pPr/>
-              <a:t>9/24/13 07:52</a:t>
+              <a:t>5/12/15 10:21</a:t>
             </a:fld>
             <a:endParaRPr lang="en-US"/>
           </a:p>
@@ -1347,6 +1347,23 @@
         <p:txBody>
           <a:bodyPr/>
           <a:lstStyle/>
+          <a:p>
+            <a:r>
+              <a:rPr lang="en-US" dirty="0" smtClean="0"/>
+              <a:t>Dim x As Integer</a:t>
+            </a:r>
+          </a:p>
+          <a:p>
+            <a:r>
+              <a:rPr lang="en-US" dirty="0" smtClean="0"/>
+              <a:t>X = 20</a:t>
+            </a:r>
+            <a:r>
+              <a:rPr lang="en-US" baseline="0" dirty="0" smtClean="0"/>
+              <a:t> Mod 7          ‘x is assigned 6</a:t>
+            </a:r>
+            <a:endParaRPr lang="en-US" dirty="0" smtClean="0"/>
+          </a:p>
           <a:p>
             <a:endParaRPr lang="en-US" dirty="0"/>
           </a:p>
@@ -1397,7 +1414,7 @@
             <a:fld id="{B0E9A716-5663-4696-9E7F-DE9F53E763BE}" type="datetime8">
               <a:rPr lang="en-US"/>
               <a:pPr/>
-              <a:t>9/24/13 07:52</a:t>
+              <a:t>5/12/15 10:21</a:t>
             </a:fld>
             <a:endParaRPr lang="en-US"/>
           </a:p>
@@ -1458,6 +1475,20 @@
           <a:bodyPr/>
           <a:lstStyle/>
           <a:p>
+            <a:r>
+              <a:rPr lang="en-US" dirty="0" smtClean="0"/>
+              <a:t>Because constants do not change values it is safe to allow a broader scope. Therefore</a:t>
+            </a:r>
+            <a:r>
+              <a:rPr lang="en-US" baseline="0" dirty="0" smtClean="0"/>
+              <a:t> constant declarations are often placed in the Form class, outside any procedure.</a:t>
+            </a:r>
+          </a:p>
+          <a:p>
+            <a:r>
+              <a:rPr lang="en-US" baseline="0" dirty="0" smtClean="0"/>
+              <a:t>GPS: group constants and declare before variables</a:t>
+            </a:r>
             <a:endParaRPr lang="en-US" dirty="0"/>
           </a:p>
         </p:txBody>
@@ -1507,7 +1538,7 @@
             <a:fld id="{A9B3F7CD-530A-45D3-8D74-A43D0EFFE4B7}" type="datetime8">
               <a:rPr lang="en-US"/>
               <a:pPr/>
-              <a:t>9/24/13 07:52</a:t>
+              <a:t>5/12/15 10:21</a:t>
             </a:fld>
             <a:endParaRPr lang="en-US"/>
           </a:p>
@@ -1624,7 +1655,7 @@
             <a:fld id="{AC17FBEF-4E62-42EF-BD9C-2B02A80F0CC9}" type="datetime8">
               <a:rPr lang="en-US"/>
               <a:pPr/>
-              <a:t>9/24/13 07:52</a:t>
+              <a:t>5/12/15 10:21</a:t>
             </a:fld>
             <a:endParaRPr lang="en-US"/>
           </a:p>
@@ -1685,6 +1716,53 @@
           <a:bodyPr/>
           <a:lstStyle/>
           <a:p>
+            <a:r>
+              <a:rPr lang="en-US" dirty="0" smtClean="0"/>
+              <a:t>Logic errors are</a:t>
+            </a:r>
+            <a:r>
+              <a:rPr lang="en-US" baseline="0" dirty="0" smtClean="0"/>
+              <a:t> more difficult to detect. </a:t>
+            </a:r>
+          </a:p>
+          <a:p>
+            <a:r>
+              <a:rPr lang="en-US" baseline="0" dirty="0" smtClean="0"/>
+              <a:t>Example:</a:t>
+            </a:r>
+          </a:p>
+          <a:p>
+            <a:r>
+              <a:rPr lang="en-US" baseline="0" dirty="0" smtClean="0"/>
+              <a:t>Dim length As Integer</a:t>
+            </a:r>
+          </a:p>
+          <a:p>
+            <a:r>
+              <a:rPr lang="en-US" baseline="0" dirty="0" smtClean="0"/>
+              <a:t>Dim area As Double</a:t>
+            </a:r>
+          </a:p>
+          <a:p>
+            <a:endParaRPr lang="en-US" baseline="0" dirty="0" smtClean="0"/>
+          </a:p>
+          <a:p>
+            <a:r>
+              <a:rPr lang="en-US" baseline="0" dirty="0" smtClean="0"/>
+              <a:t>length = 1.2           ‘ 1 is actually assigned</a:t>
+            </a:r>
+          </a:p>
+          <a:p>
+            <a:r>
+              <a:rPr lang="en-US" baseline="0" dirty="0" smtClean="0"/>
+              <a:t>area = length ^ 2   ‘ expected value is 1.44 but result is 1</a:t>
+            </a:r>
+          </a:p>
+          <a:p>
+            <a:r>
+              <a:rPr lang="en-US" baseline="0" dirty="0" smtClean="0"/>
+              <a:t>Runtime errors are errors not detected by the compiler.</a:t>
+            </a:r>
             <a:endParaRPr lang="en-US" dirty="0"/>
           </a:p>
         </p:txBody>
@@ -1734,7 +1812,7 @@
             <a:fld id="{2379E9A7-A75B-46AE-95BE-D6B982EDB4BF}" type="datetime8">
               <a:rPr lang="en-US"/>
               <a:pPr/>
-              <a:t>9/24/13 07:52</a:t>
+              <a:t>5/12/15 10:21</a:t>
             </a:fld>
             <a:endParaRPr lang="en-US"/>
           </a:p>
@@ -1795,14 +1873,69 @@
           <a:bodyPr/>
           <a:lstStyle/>
           <a:p>
+            <a:pPr marL="0" marR="0" indent="0" algn="l" defTabSz="914400" rtl="0" eaLnBrk="1" fontAlgn="base" latinLnBrk="0" hangingPunct="1">
+              <a:lnSpc>
+                <a:spcPct val="100000"/>
+              </a:lnSpc>
+              <a:spcBef>
+                <a:spcPct val="30000"/>
+              </a:spcBef>
+              <a:spcAft>
+                <a:spcPct val="0"/>
+              </a:spcAft>
+              <a:buClrTx/>
+              <a:buSzTx/>
+              <a:buFontTx/>
+              <a:buNone/>
+              <a:tabLst/>
+              <a:defRPr/>
+            </a:pPr>
+            <a:r>
+              <a:rPr lang="en-US" dirty="0" smtClean="0"/>
+              <a:t>The source of logic errors can be hard to determine without tools for debugging. </a:t>
+            </a:r>
+            <a:r>
+              <a:rPr lang="en-US" smtClean="0"/>
+              <a:t>A breakpoint is created by clicking in the gray area to the left of a statement.</a:t>
+            </a:r>
+            <a:endParaRPr lang="en-US" dirty="0" smtClean="0"/>
+          </a:p>
+          <a:p>
             <a:r>
               <a:rPr lang="en-US" dirty="0" smtClean="0"/>
               <a:t>The </a:t>
             </a:r>
             <a:r>
               <a:rPr lang="en-US" dirty="0"/>
-              <a:t>screen shows break mode where program execution has stopped at a breakpoint. The Watch (at the bottom of the screen) shows the current value of selected variables. Selecting Debug -&gt; Step Into steps through the program statement by statement.</a:t>
-            </a:r>
+              <a:t>screen shows break mode where program execution has stopped at a breakpoint. The Watch (at the bottom of the screen) shows the current value of selected variables. Selecting Debug -&gt; Step Into steps through the program statement by statement</a:t>
+            </a:r>
+            <a:r>
+              <a:rPr lang="en-US" dirty="0" smtClean="0"/>
+              <a:t>.</a:t>
+            </a:r>
+          </a:p>
+          <a:p>
+            <a:r>
+              <a:rPr lang="en-US" dirty="0" smtClean="0"/>
+              <a:t>When the app is run, program execution stops at the first breakpoint and the IDE goes into break mode. In break mode the Watch</a:t>
+            </a:r>
+            <a:r>
+              <a:rPr lang="en-US" baseline="0" dirty="0" smtClean="0"/>
+              <a:t> window can be used to examine values. Right click a variable, constant or object name displays a menu with an Add Watch command. Program execution is continued from a break point by clicking Step Into button or pressing F8. App is executed one statement at a time.</a:t>
+            </a:r>
+          </a:p>
+          <a:p>
+            <a:r>
+              <a:rPr lang="en-US" baseline="0" dirty="0" smtClean="0"/>
+              <a:t>Another technique is to select certain lines of code and then click “comment out the selected lines” button. The lines will not be executed.</a:t>
+            </a:r>
+          </a:p>
+          <a:p>
+            <a:r>
+              <a:rPr lang="en-US" baseline="0" dirty="0" smtClean="0"/>
+              <a:t>Hovering over a variable with the mouse displays the variable’s current value.</a:t>
+            </a:r>
+            <a:endParaRPr lang="en-US" dirty="0"/>
           </a:p>
         </p:txBody>
       </p:sp>
@@ -1851,7 +1984,7 @@
             <a:fld id="{2D83C7A4-474C-4FF9-A3E8-46B5C06A19B4}" type="datetime8">
               <a:rPr lang="en-US"/>
               <a:pPr/>
-              <a:t>9/24/13 07:52</a:t>
+              <a:t>5/12/15 10:21</a:t>
             </a:fld>
             <a:endParaRPr lang="en-US"/>
           </a:p>
@@ -1968,7 +2101,7 @@
             <a:fld id="{0CE45273-2E42-423F-A7FF-59D4355EE8A6}" type="datetime8">
               <a:rPr lang="en-US"/>
               <a:pPr/>
-              <a:t>9/24/13 07:52</a:t>
+              <a:t>5/12/15 10:21</a:t>
             </a:fld>
             <a:endParaRPr lang="en-US"/>
           </a:p>
@@ -2078,7 +2211,7 @@
             <a:fld id="{B877F9CA-2A05-4484-8B13-C9AB6A145868}" type="datetime8">
               <a:rPr lang="en-US"/>
               <a:pPr/>
-              <a:t>9/24/13 07:52</a:t>
+              <a:t>5/12/15 10:21</a:t>
             </a:fld>
             <a:endParaRPr lang="en-US"/>
           </a:p>
@@ -2188,7 +2321,7 @@
             <a:fld id="{539D12A2-F1DA-4770-B9D9-54085B0EB9A3}" type="datetime8">
               <a:rPr lang="en-US"/>
               <a:pPr/>
-              <a:t>9/24/13 07:52</a:t>
+              <a:t>5/12/15 10:21</a:t>
             </a:fld>
             <a:endParaRPr lang="en-US"/>
           </a:p>
@@ -2358,7 +2491,7 @@
             <a:fld id="{8E6F1D87-3771-440F-9BAE-BB02823DE0E9}" type="datetime8">
               <a:rPr lang="en-US"/>
               <a:pPr/>
-              <a:t>9/24/13 07:52</a:t>
+              <a:t>5/12/15 10:21</a:t>
             </a:fld>
             <a:endParaRPr lang="en-US"/>
           </a:p>
@@ -2468,7 +2601,7 @@
             <a:fld id="{0BAD84B9-D507-4C81-9808-C2904EF9ADB3}" type="datetime8">
               <a:rPr lang="en-US"/>
               <a:pPr/>
-              <a:t>9/24/13 07:52</a:t>
+              <a:t>5/12/15 10:21</a:t>
             </a:fld>
             <a:endParaRPr lang="en-US"/>
           </a:p>
@@ -2610,7 +2743,7 @@
             <a:fld id="{96208325-2D0B-4B14-A8BC-24E8D2F5E391}" type="datetime8">
               <a:rPr lang="en-US"/>
               <a:pPr/>
-              <a:t>9/24/13 07:52</a:t>
+              <a:t>5/12/15 10:21</a:t>
             </a:fld>
             <a:endParaRPr lang="en-US"/>
           </a:p>
@@ -2692,25 +2825,69 @@
               <a:rPr lang="en-US" dirty="0" smtClean="0">
                 <a:latin typeface="Courier New" pitchFamily="49" charset="0"/>
               </a:rPr>
-              <a:t>height = Val(</a:t>
-            </a:r>
-            <a:r>
-              <a:rPr lang="en-US" dirty="0" err="1" smtClean="0">
-                <a:latin typeface="Courier New" pitchFamily="49" charset="0"/>
-              </a:rPr>
-              <a:t>Me.txtHeight.Text</a:t>
-            </a:r>
-            <a:r>
-              <a:rPr lang="en-US" dirty="0" smtClean="0">
-                <a:latin typeface="Courier New" pitchFamily="49" charset="0"/>
-              </a:rPr>
-              <a:t>) assigns a numeric value</a:t>
+              <a:t>Val() is used to prevent</a:t>
             </a:r>
             <a:r>
               <a:rPr lang="en-US" baseline="0" dirty="0" smtClean="0">
                 <a:latin typeface="Courier New" pitchFamily="49" charset="0"/>
               </a:rPr>
-              <a:t> to height from a text box ( user input )</a:t>
+              <a:t> run-time error when the data in the input box does not match the variable type.</a:t>
+            </a:r>
+          </a:p>
+          <a:p>
+            <a:pPr marL="0" marR="0" lvl="1" indent="0" algn="l" defTabSz="914400" rtl="0" eaLnBrk="1" fontAlgn="base" latinLnBrk="0" hangingPunct="1">
+              <a:lnSpc>
+                <a:spcPct val="100000"/>
+              </a:lnSpc>
+              <a:spcBef>
+                <a:spcPct val="30000"/>
+              </a:spcBef>
+              <a:spcAft>
+                <a:spcPct val="0"/>
+              </a:spcAft>
+              <a:buClrTx/>
+              <a:buSzTx/>
+              <a:buFontTx/>
+              <a:buNone/>
+              <a:tabLst/>
+              <a:defRPr/>
+            </a:pPr>
+            <a:r>
+              <a:rPr lang="en-US" baseline="0" dirty="0" smtClean="0">
+                <a:latin typeface="Courier New" pitchFamily="49" charset="0"/>
+              </a:rPr>
+              <a:t>Modify coins for example and run it with integer ( OK ) or char ( run-time error )</a:t>
+            </a:r>
+          </a:p>
+          <a:p>
+            <a:pPr marL="0" marR="0" lvl="1" indent="0" algn="l" defTabSz="914400" rtl="0" eaLnBrk="1" fontAlgn="base" latinLnBrk="0" hangingPunct="1">
+              <a:lnSpc>
+                <a:spcPct val="100000"/>
+              </a:lnSpc>
+              <a:spcBef>
+                <a:spcPct val="30000"/>
+              </a:spcBef>
+              <a:spcAft>
+                <a:spcPct val="0"/>
+              </a:spcAft>
+              <a:buClrTx/>
+              <a:buSzTx/>
+              <a:buFontTx/>
+              <a:buNone/>
+              <a:tabLst/>
+              <a:defRPr/>
+            </a:pPr>
+            <a:r>
+              <a:rPr lang="en-US" baseline="0" dirty="0" smtClean="0">
+                <a:latin typeface="Courier New" pitchFamily="49" charset="0"/>
+              </a:rPr>
+              <a:t>If the first char of the string is not a numeric character Val(</a:t>
+            </a:r>
+            <a:r>
+              <a:rPr lang="en-US" baseline="0" smtClean="0">
+                <a:latin typeface="Courier New" pitchFamily="49" charset="0"/>
+              </a:rPr>
+              <a:t>) returns a 0.</a:t>
             </a:r>
             <a:endParaRPr lang="en-US" dirty="0" smtClean="0">
               <a:latin typeface="Courier New" pitchFamily="49" charset="0"/>
@@ -2766,7 +2943,7 @@
             <a:fld id="{856D2AD4-9835-41ED-8CF3-E10A92828DDC}" type="datetime8">
               <a:rPr lang="en-US"/>
               <a:pPr/>
-              <a:t>9/24/13 07:52</a:t>
+              <a:t>5/12/15 10:21</a:t>
             </a:fld>
             <a:endParaRPr lang="en-US"/>
           </a:p>
@@ -3056,7 +3233,7 @@
             <a:fld id="{54DB313B-30DD-4D0D-8FF0-61436A6EBBF6}" type="datetime8">
               <a:rPr lang="en-US"/>
               <a:pPr/>
-              <a:t>9/24/13 07:52</a:t>
+              <a:t>5/12/15 10:21</a:t>
             </a:fld>
             <a:endParaRPr lang="en-US"/>
           </a:p>
@@ -3188,7 +3365,7 @@
             <a:fld id="{D79DCC19-4B96-4F41-86E2-5425A350D850}" type="datetime8">
               <a:rPr lang="en-US"/>
               <a:pPr/>
-              <a:t>9/24/13 07:52</a:t>
+              <a:t>5/12/15 10:21</a:t>
             </a:fld>
             <a:endParaRPr lang="en-US"/>
           </a:p>
@@ -3291,6 +3468,12 @@
             <a:r>
               <a:rPr lang="en-US" dirty="0" smtClean="0"/>
               <a:t>.</a:t>
+            </a:r>
+          </a:p>
+          <a:p>
+            <a:r>
+              <a:rPr lang="en-US" dirty="0" smtClean="0"/>
+              <a:t>Scope Demo</a:t>
             </a:r>
           </a:p>
           <a:p>
@@ -3346,7 +3529,7 @@
             <a:fld id="{37BD4BAA-8913-46B7-8F80-038CC1468930}" type="datetime8">
               <a:rPr lang="en-US"/>
               <a:pPr/>
-              <a:t>9/24/13 07:52</a:t>
+              <a:t>5/12/15 10:21</a:t>
             </a:fld>
             <a:endParaRPr lang="en-US"/>
           </a:p>
@@ -3407,6 +3590,20 @@
           <a:bodyPr/>
           <a:lstStyle/>
           <a:p>
+            <a:r>
+              <a:rPr lang="en-US" dirty="0" smtClean="0"/>
+              <a:t>Dim x As Integer</a:t>
+            </a:r>
+          </a:p>
+          <a:p>
+            <a:r>
+              <a:rPr lang="en-US" dirty="0" smtClean="0"/>
+              <a:t>X = 20</a:t>
+            </a:r>
+            <a:r>
+              <a:rPr lang="en-US" baseline="0" dirty="0" smtClean="0"/>
+              <a:t> \ 7          ‘x is assigned 2</a:t>
+            </a:r>
             <a:endParaRPr lang="en-US" dirty="0"/>
           </a:p>
         </p:txBody>
@@ -7382,6 +7579,40 @@
           </a:p>
         </p:txBody>
       </p:sp>
+      <p:sp>
+        <p:nvSpPr>
+          <p:cNvPr id="3" name="TextBox 2"/>
+          <p:cNvSpPr txBox="1"/>
+          <p:nvPr/>
+        </p:nvSpPr>
+        <p:spPr>
+          <a:xfrm>
+            <a:off x="788856" y="5696158"/>
+            <a:ext cx="7571153" cy="461665"/>
+          </a:xfrm>
+          <a:prstGeom prst="rect">
+            <a:avLst/>
+          </a:prstGeom>
+          <a:noFill/>
+        </p:spPr>
+        <p:txBody>
+          <a:bodyPr wrap="none" rtlCol="0">
+            <a:spAutoFit/>
+          </a:bodyPr>
+          <a:lstStyle/>
+          <a:p>
+            <a:r>
+              <a:rPr lang="en-US" smtClean="0"/>
+              <a:t>Operator precedence ( PEMDIMAS ): </a:t>
+            </a:r>
+            <a:r>
+              <a:rPr lang="en-US" dirty="0" smtClean="0"/>
+              <a:t>(), ^, *, /, \, Mod, +, - </a:t>
+            </a:r>
+            <a:endParaRPr lang="en-US" dirty="0"/>
+          </a:p>
+        </p:txBody>
+      </p:sp>
     </p:spTree>
   </p:cSld>
   <p:clrMapOvr>
@@ -7482,7 +7713,7 @@
         <p:spPr bwMode="auto">
           <a:xfrm>
             <a:off x="561975" y="1838325"/>
-            <a:ext cx="8153400" cy="3560763"/>
+            <a:ext cx="8153400" cy="4524315"/>
           </a:xfrm>
           <a:prstGeom prst="rect">
             <a:avLst/>
@@ -7632,7 +7863,7 @@
               <a:buChar char="§"/>
             </a:pPr>
             <a:r>
-              <a:rPr lang="en-US">
+              <a:rPr lang="en-US" dirty="0">
                 <a:latin typeface="Tahoma" pitchFamily="34" charset="0"/>
               </a:rPr>
               <a:t>A constant is a name for a memory location that stores a value that cannot be changed from its initial assignment.</a:t>
@@ -7643,7 +7874,7 @@
               <a:buFont typeface="Wingdings" pitchFamily="2" charset="2"/>
               <a:buChar char="§"/>
             </a:pPr>
-            <a:endParaRPr lang="en-US">
+            <a:endParaRPr lang="en-US" dirty="0">
               <a:latin typeface="Tahoma" pitchFamily="34" charset="0"/>
             </a:endParaRPr>
           </a:p>
@@ -7653,7 +7884,7 @@
               <a:buChar char="§"/>
             </a:pPr>
             <a:r>
-              <a:rPr lang="en-US">
+              <a:rPr lang="en-US" dirty="0">
                 <a:latin typeface="Tahoma" pitchFamily="34" charset="0"/>
               </a:rPr>
               <a:t>Constants are created using a declaration statement. For example:</a:t>
@@ -7665,11 +7896,26 @@
               <a:buNone/>
             </a:pPr>
             <a:r>
-              <a:rPr lang="en-US">
+              <a:rPr lang="en-US" dirty="0" err="1">
                 <a:latin typeface="Courier New" pitchFamily="49" charset="0"/>
               </a:rPr>
-              <a:t>Const PI As Double = 3.14</a:t>
-            </a:r>
+              <a:t>Const</a:t>
+            </a:r>
+            <a:r>
+              <a:rPr lang="en-US" dirty="0">
+                <a:latin typeface="Courier New" pitchFamily="49" charset="0"/>
+              </a:rPr>
+              <a:t> PI As Double = </a:t>
+            </a:r>
+            <a:r>
+              <a:rPr lang="en-US" dirty="0" smtClean="0">
+                <a:latin typeface="Courier New" pitchFamily="49" charset="0"/>
+              </a:rPr>
+              <a:t>3.14</a:t>
+            </a:r>
+            <a:endParaRPr lang="en-US" dirty="0">
+              <a:latin typeface="Courier New" pitchFamily="49" charset="0"/>
+            </a:endParaRPr>
           </a:p>
           <a:p>
             <a:pPr>
@@ -7680,23 +7926,53 @@
               <a:buChar char="§"/>
             </a:pPr>
             <a:r>
-              <a:rPr lang="en-US">
+              <a:rPr lang="en-US" dirty="0">
                 <a:latin typeface="Tahoma" pitchFamily="34" charset="0"/>
               </a:rPr>
               <a:t>Constant identifiers are typically all uppercase with an underscore (</a:t>
             </a:r>
             <a:r>
-              <a:rPr lang="en-US">
+              <a:rPr lang="en-US" dirty="0">
                 <a:latin typeface="Courier New" pitchFamily="49" charset="0"/>
               </a:rPr>
               <a:t>_</a:t>
             </a:r>
             <a:r>
-              <a:rPr lang="en-US">
+              <a:rPr lang="en-US" dirty="0">
                 <a:latin typeface="Tahoma" pitchFamily="34" charset="0"/>
               </a:rPr>
-              <a:t>) separating words within the identifier name.</a:t>
-            </a:r>
+              <a:t>) separating words within the identifier name</a:t>
+            </a:r>
+            <a:r>
+              <a:rPr lang="en-US" dirty="0" smtClean="0">
+                <a:latin typeface="Tahoma" pitchFamily="34" charset="0"/>
+              </a:rPr>
+              <a:t>.</a:t>
+            </a:r>
+          </a:p>
+          <a:p>
+            <a:pPr>
+              <a:spcBef>
+                <a:spcPct val="50000"/>
+              </a:spcBef>
+              <a:buFont typeface="Wingdings" pitchFamily="2" charset="2"/>
+              <a:buChar char="§"/>
+            </a:pPr>
+            <a:r>
+              <a:rPr lang="en-US" dirty="0" smtClean="0">
+                <a:latin typeface="Tahoma" pitchFamily="34" charset="0"/>
+              </a:rPr>
+              <a:t>The value of a constant is assigned only in the declaration -</a:t>
+            </a:r>
+            <a:r>
+              <a:rPr lang="en-US" smtClean="0">
+                <a:latin typeface="Tahoma" pitchFamily="34" charset="0"/>
+              </a:rPr>
+              <a:t>&gt; otherwise” Syntax error!”</a:t>
+            </a:r>
+            <a:endParaRPr lang="en-US" dirty="0">
+              <a:latin typeface="Tahoma" pitchFamily="34" charset="0"/>
+            </a:endParaRPr>
           </a:p>
         </p:txBody>
       </p:sp>
@@ -12878,7 +13154,7 @@
         <p:spPr bwMode="auto">
           <a:xfrm>
             <a:off x="561975" y="1949450"/>
-            <a:ext cx="8153400" cy="2647950"/>
+            <a:ext cx="8153400" cy="3231654"/>
           </a:xfrm>
           <a:prstGeom prst="rect">
             <a:avLst/>
@@ -13028,11 +13304,38 @@
               <a:buChar char="§"/>
             </a:pPr>
             <a:r>
-              <a:rPr lang="en-US">
+              <a:rPr lang="en-US" dirty="0" err="1" smtClean="0">
                 <a:latin typeface="Tahoma" pitchFamily="34" charset="0"/>
               </a:rPr>
-              <a:t>Syntax errors violate the rules of Visual Basic.</a:t>
-            </a:r>
+              <a:t>Errare</a:t>
+            </a:r>
+            <a:r>
+              <a:rPr lang="en-US" dirty="0" smtClean="0">
+                <a:latin typeface="Tahoma" pitchFamily="34" charset="0"/>
+              </a:rPr>
+              <a:t> </a:t>
+            </a:r>
+            <a:r>
+              <a:rPr lang="en-US" dirty="0" err="1" smtClean="0">
+                <a:latin typeface="Tahoma" pitchFamily="34" charset="0"/>
+              </a:rPr>
+              <a:t>humanum</a:t>
+            </a:r>
+            <a:r>
+              <a:rPr lang="en-US" dirty="0" smtClean="0">
+                <a:latin typeface="Tahoma" pitchFamily="34" charset="0"/>
+              </a:rPr>
+              <a:t> </a:t>
+            </a:r>
+            <a:r>
+              <a:rPr lang="en-US" dirty="0" err="1" smtClean="0">
+                <a:latin typeface="Tahoma" pitchFamily="34" charset="0"/>
+              </a:rPr>
+              <a:t>est</a:t>
+            </a:r>
+            <a:endParaRPr lang="en-US" dirty="0" smtClean="0">
+              <a:latin typeface="Tahoma" pitchFamily="34" charset="0"/>
+            </a:endParaRPr>
           </a:p>
           <a:p>
             <a:pPr>
@@ -13043,10 +13346,16 @@
               <a:buChar char="§"/>
             </a:pPr>
             <a:r>
-              <a:rPr lang="en-US">
+              <a:rPr lang="en-US" dirty="0" smtClean="0">
                 <a:latin typeface="Tahoma" pitchFamily="34" charset="0"/>
               </a:rPr>
-              <a:t>Logic errors, also called semantic errors, occur in statements that are syntactically correct, but produce undesired or unexpected results.</a:t>
+              <a:t>Syntax </a:t>
+            </a:r>
+            <a:r>
+              <a:rPr lang="en-US" dirty="0">
+                <a:latin typeface="Tahoma" pitchFamily="34" charset="0"/>
+              </a:rPr>
+              <a:t>errors violate the rules of Visual Basic.</a:t>
             </a:r>
           </a:p>
           <a:p>
@@ -13058,7 +13367,22 @@
               <a:buChar char="§"/>
             </a:pPr>
             <a:r>
-              <a:rPr lang="en-US">
+              <a:rPr lang="en-US" dirty="0">
+                <a:latin typeface="Tahoma" pitchFamily="34" charset="0"/>
+              </a:rPr>
+              <a:t>Logic errors, also called semantic errors, occur in statements that are syntactically correct, but produce undesired or unexpected results.</a:t>
+            </a:r>
+          </a:p>
+          <a:p>
+            <a:pPr>
+              <a:spcBef>
+                <a:spcPct val="50000"/>
+              </a:spcBef>
+              <a:buFont typeface="Wingdings" pitchFamily="2" charset="2"/>
+              <a:buChar char="§"/>
+            </a:pPr>
+            <a:r>
+              <a:rPr lang="en-US" dirty="0">
                 <a:latin typeface="Tahoma" pitchFamily="34" charset="0"/>
               </a:rPr>
               <a:t>Run-time errors, also called exceptions, halt program execution at the statement that cannot be executed.</a:t>
@@ -13159,7 +13483,12 @@
             <p:ph type="title"/>
           </p:nvPr>
         </p:nvSpPr>
-        <p:spPr/>
+        <p:spPr>
+          <a:xfrm>
+            <a:off x="1371600" y="1862771"/>
+            <a:ext cx="7772400" cy="1403350"/>
+          </a:xfrm>
+        </p:spPr>
         <p:txBody>
           <a:bodyPr/>
           <a:lstStyle/>
@@ -13266,6 +13595,40 @@
           </a:extLst>
         </p:spPr>
       </p:pic>
+      <p:sp>
+        <p:nvSpPr>
+          <p:cNvPr id="3" name="TextBox 2"/>
+          <p:cNvSpPr txBox="1"/>
+          <p:nvPr/>
+        </p:nvSpPr>
+        <p:spPr>
+          <a:xfrm>
+            <a:off x="1443030" y="5388258"/>
+            <a:ext cx="6782133" cy="830997"/>
+          </a:xfrm>
+          <a:prstGeom prst="rect">
+            <a:avLst/>
+          </a:prstGeom>
+          <a:noFill/>
+        </p:spPr>
+        <p:txBody>
+          <a:bodyPr wrap="square" rtlCol="0">
+            <a:spAutoFit/>
+          </a:bodyPr>
+          <a:lstStyle/>
+          <a:p>
+            <a:r>
+              <a:rPr lang="en-US" dirty="0" smtClean="0"/>
+              <a:t>Make clear that Troubleshooting/Debugging is part of Programming ( 10% inspiration 90</a:t>
+            </a:r>
+            <a:r>
+              <a:rPr lang="en-US" smtClean="0"/>
+              <a:t>% perspiration.</a:t>
+            </a:r>
+            <a:endParaRPr lang="en-US" dirty="0"/>
+          </a:p>
+        </p:txBody>
+      </p:sp>
     </p:spTree>
   </p:cSld>
   <p:clrMapOvr>
@@ -13448,6 +13811,13 @@
   <p:clrMapOvr>
     <a:masterClrMapping/>
   </p:clrMapOvr>
+  <p:timing>
+    <p:tnLst>
+      <p:par>
+        <p:cTn xmlns:p14="http://schemas.microsoft.com/office/powerpoint/2010/main" id="1" dur="indefinite" restart="never" nodeType="tmRoot"/>
+      </p:par>
+    </p:tnLst>
+  </p:timing>
 </p:sld>
 </file>
 
